--- a/Шереметьево.pptx
+++ b/Шереметьево.pptx
@@ -7,10 +7,13 @@
   <p:sldIdLst>
     <p:sldId id="260" r:id="rId2"/>
     <p:sldId id="256" r:id="rId3"/>
-    <p:sldId id="259" r:id="rId4"/>
-    <p:sldId id="258" r:id="rId5"/>
-    <p:sldId id="257" r:id="rId6"/>
-    <p:sldId id="261" r:id="rId7"/>
+    <p:sldId id="265" r:id="rId4"/>
+    <p:sldId id="262" r:id="rId5"/>
+    <p:sldId id="259" r:id="rId6"/>
+    <p:sldId id="257" r:id="rId7"/>
+    <p:sldId id="266" r:id="rId8"/>
+    <p:sldId id="267" r:id="rId9"/>
+    <p:sldId id="308" r:id="rId10"/>
   </p:sldIdLst>
   <p:sldSz cx="12192000" cy="6858000"/>
   <p:notesSz cx="6858000" cy="9144000"/>
@@ -3685,6 +3688,226 @@
           <p:cNvPr id="2" name="Заголовок 1">
             <a:extLst>
               <a:ext uri="{FF2B5EF4-FFF2-40B4-BE49-F238E27FC236}">
+                <a16:creationId xmlns:a16="http://schemas.microsoft.com/office/drawing/2014/main" id="{EA137DD1-2CD2-6201-5E1A-AC13EDF56875}"/>
+              </a:ext>
+            </a:extLst>
+          </p:cNvPr>
+          <p:cNvSpPr>
+            <a:spLocks noGrp="1"/>
+          </p:cNvSpPr>
+          <p:nvPr>
+            <p:ph type="title"/>
+          </p:nvPr>
+        </p:nvSpPr>
+        <p:spPr/>
+        <p:txBody>
+          <a:bodyPr/>
+          <a:lstStyle/>
+          <a:p>
+            <a:endParaRPr lang="ru-RU"/>
+          </a:p>
+        </p:txBody>
+      </p:sp>
+      <p:sp>
+        <p:nvSpPr>
+          <p:cNvPr id="3" name="Объект 2">
+            <a:extLst>
+              <a:ext uri="{FF2B5EF4-FFF2-40B4-BE49-F238E27FC236}">
+                <a16:creationId xmlns:a16="http://schemas.microsoft.com/office/drawing/2014/main" id="{49DD7AEB-1F82-0D4B-1C5E-8FFCED564CFC}"/>
+              </a:ext>
+            </a:extLst>
+          </p:cNvPr>
+          <p:cNvSpPr>
+            <a:spLocks noGrp="1"/>
+          </p:cNvSpPr>
+          <p:nvPr>
+            <p:ph idx="1"/>
+          </p:nvPr>
+        </p:nvSpPr>
+        <p:spPr/>
+        <p:txBody>
+          <a:bodyPr/>
+          <a:lstStyle/>
+          <a:p>
+            <a:endParaRPr lang="ru-RU"/>
+          </a:p>
+        </p:txBody>
+      </p:sp>
+      <p:pic>
+        <p:nvPicPr>
+          <p:cNvPr id="5" name="Рисунок 4">
+            <a:extLst>
+              <a:ext uri="{FF2B5EF4-FFF2-40B4-BE49-F238E27FC236}">
+                <a16:creationId xmlns:a16="http://schemas.microsoft.com/office/drawing/2014/main" id="{6DC964EE-AB32-C739-C6A4-391FDB3F7E09}"/>
+              </a:ext>
+            </a:extLst>
+          </p:cNvPr>
+          <p:cNvPicPr>
+            <a:picLocks noChangeAspect="1"/>
+          </p:cNvPicPr>
+          <p:nvPr/>
+        </p:nvPicPr>
+        <p:blipFill>
+          <a:blip r:embed="rId2"/>
+          <a:stretch>
+            <a:fillRect/>
+          </a:stretch>
+        </p:blipFill>
+        <p:spPr>
+          <a:xfrm>
+            <a:off x="0" y="0"/>
+            <a:ext cx="12192000" cy="6858000"/>
+          </a:xfrm>
+          <a:prstGeom prst="rect">
+            <a:avLst/>
+          </a:prstGeom>
+        </p:spPr>
+      </p:pic>
+    </p:spTree>
+    <p:extLst>
+      <p:ext uri="{BB962C8B-B14F-4D97-AF65-F5344CB8AC3E}">
+        <p14:creationId xmlns:p14="http://schemas.microsoft.com/office/powerpoint/2010/main" val="2156952522"/>
+      </p:ext>
+    </p:extLst>
+  </p:cSld>
+  <p:clrMapOvr>
+    <a:masterClrMapping/>
+  </p:clrMapOvr>
+</p:sld>
+</file>
+
+<file path=ppt/slides/slide4.xml><?xml version="1.0" encoding="utf-8"?>
+<p:sld xmlns:a="http://schemas.openxmlformats.org/drawingml/2006/main" xmlns:r="http://schemas.openxmlformats.org/officeDocument/2006/relationships" xmlns:p="http://schemas.openxmlformats.org/presentationml/2006/main">
+  <p:cSld>
+    <p:spTree>
+      <p:nvGrpSpPr>
+        <p:cNvPr id="1" name=""/>
+        <p:cNvGrpSpPr/>
+        <p:nvPr/>
+      </p:nvGrpSpPr>
+      <p:grpSpPr>
+        <a:xfrm>
+          <a:off x="0" y="0"/>
+          <a:ext cx="0" cy="0"/>
+          <a:chOff x="0" y="0"/>
+          <a:chExt cx="0" cy="0"/>
+        </a:xfrm>
+      </p:grpSpPr>
+      <p:sp>
+        <p:nvSpPr>
+          <p:cNvPr id="2" name="Заголовок 1">
+            <a:extLst>
+              <a:ext uri="{FF2B5EF4-FFF2-40B4-BE49-F238E27FC236}">
+                <a16:creationId xmlns:a16="http://schemas.microsoft.com/office/drawing/2014/main" id="{EA4A0EF5-B38E-0E94-CDD9-F63EB349E959}"/>
+              </a:ext>
+            </a:extLst>
+          </p:cNvPr>
+          <p:cNvSpPr>
+            <a:spLocks noGrp="1"/>
+          </p:cNvSpPr>
+          <p:nvPr>
+            <p:ph type="title"/>
+          </p:nvPr>
+        </p:nvSpPr>
+        <p:spPr/>
+        <p:txBody>
+          <a:bodyPr/>
+          <a:lstStyle/>
+          <a:p>
+            <a:endParaRPr lang="ru-RU"/>
+          </a:p>
+        </p:txBody>
+      </p:sp>
+      <p:sp>
+        <p:nvSpPr>
+          <p:cNvPr id="3" name="Объект 2">
+            <a:extLst>
+              <a:ext uri="{FF2B5EF4-FFF2-40B4-BE49-F238E27FC236}">
+                <a16:creationId xmlns:a16="http://schemas.microsoft.com/office/drawing/2014/main" id="{8CDDB6BE-EDD7-1EA7-3D99-D5CF418BA875}"/>
+              </a:ext>
+            </a:extLst>
+          </p:cNvPr>
+          <p:cNvSpPr>
+            <a:spLocks noGrp="1"/>
+          </p:cNvSpPr>
+          <p:nvPr>
+            <p:ph idx="1"/>
+          </p:nvPr>
+        </p:nvSpPr>
+        <p:spPr/>
+        <p:txBody>
+          <a:bodyPr/>
+          <a:lstStyle/>
+          <a:p>
+            <a:endParaRPr lang="ru-RU"/>
+          </a:p>
+        </p:txBody>
+      </p:sp>
+      <p:pic>
+        <p:nvPicPr>
+          <p:cNvPr id="5" name="Рисунок 4">
+            <a:extLst>
+              <a:ext uri="{FF2B5EF4-FFF2-40B4-BE49-F238E27FC236}">
+                <a16:creationId xmlns:a16="http://schemas.microsoft.com/office/drawing/2014/main" id="{E90B8419-A37B-9CC2-B8E1-E827EE5F22A6}"/>
+              </a:ext>
+            </a:extLst>
+          </p:cNvPr>
+          <p:cNvPicPr>
+            <a:picLocks noChangeAspect="1"/>
+          </p:cNvPicPr>
+          <p:nvPr/>
+        </p:nvPicPr>
+        <p:blipFill>
+          <a:blip r:embed="rId2"/>
+          <a:stretch>
+            <a:fillRect/>
+          </a:stretch>
+        </p:blipFill>
+        <p:spPr>
+          <a:xfrm>
+            <a:off x="-72737" y="0"/>
+            <a:ext cx="12192000" cy="6858000"/>
+          </a:xfrm>
+          <a:prstGeom prst="rect">
+            <a:avLst/>
+          </a:prstGeom>
+        </p:spPr>
+      </p:pic>
+    </p:spTree>
+    <p:extLst>
+      <p:ext uri="{BB962C8B-B14F-4D97-AF65-F5344CB8AC3E}">
+        <p14:creationId xmlns:p14="http://schemas.microsoft.com/office/powerpoint/2010/main" val="2553014899"/>
+      </p:ext>
+    </p:extLst>
+  </p:cSld>
+  <p:clrMapOvr>
+    <a:masterClrMapping/>
+  </p:clrMapOvr>
+</p:sld>
+</file>
+
+<file path=ppt/slides/slide5.xml><?xml version="1.0" encoding="utf-8"?>
+<p:sld xmlns:a="http://schemas.openxmlformats.org/drawingml/2006/main" xmlns:r="http://schemas.openxmlformats.org/officeDocument/2006/relationships" xmlns:p="http://schemas.openxmlformats.org/presentationml/2006/main">
+  <p:cSld>
+    <p:spTree>
+      <p:nvGrpSpPr>
+        <p:cNvPr id="1" name=""/>
+        <p:cNvGrpSpPr/>
+        <p:nvPr/>
+      </p:nvGrpSpPr>
+      <p:grpSpPr>
+        <a:xfrm>
+          <a:off x="0" y="0"/>
+          <a:ext cx="0" cy="0"/>
+          <a:chOff x="0" y="0"/>
+          <a:chExt cx="0" cy="0"/>
+        </a:xfrm>
+      </p:grpSpPr>
+      <p:sp>
+        <p:nvSpPr>
+          <p:cNvPr id="2" name="Заголовок 1">
+            <a:extLst>
+              <a:ext uri="{FF2B5EF4-FFF2-40B4-BE49-F238E27FC236}">
                 <a16:creationId xmlns:a16="http://schemas.microsoft.com/office/drawing/2014/main" id="{1DD452ED-5835-B4EF-78DC-FF8B0335F652}"/>
               </a:ext>
             </a:extLst>
@@ -3793,134 +4016,7 @@
 </p:sld>
 </file>
 
-<file path=ppt/slides/slide4.xml><?xml version="1.0" encoding="utf-8"?>
-<p:sld xmlns:a="http://schemas.openxmlformats.org/drawingml/2006/main" xmlns:r="http://schemas.openxmlformats.org/officeDocument/2006/relationships" xmlns:p="http://schemas.openxmlformats.org/presentationml/2006/main">
-  <p:cSld>
-    <p:spTree>
-      <p:nvGrpSpPr>
-        <p:cNvPr id="1" name=""/>
-        <p:cNvGrpSpPr/>
-        <p:nvPr/>
-      </p:nvGrpSpPr>
-      <p:grpSpPr>
-        <a:xfrm>
-          <a:off x="0" y="0"/>
-          <a:ext cx="0" cy="0"/>
-          <a:chOff x="0" y="0"/>
-          <a:chExt cx="0" cy="0"/>
-        </a:xfrm>
-      </p:grpSpPr>
-      <p:sp>
-        <p:nvSpPr>
-          <p:cNvPr id="2" name="Заголовок 1">
-            <a:extLst>
-              <a:ext uri="{FF2B5EF4-FFF2-40B4-BE49-F238E27FC236}">
-                <a16:creationId xmlns:a16="http://schemas.microsoft.com/office/drawing/2014/main" id="{1DD452ED-5835-B4EF-78DC-FF8B0335F652}"/>
-              </a:ext>
-            </a:extLst>
-          </p:cNvPr>
-          <p:cNvSpPr>
-            <a:spLocks noGrp="1"/>
-          </p:cNvSpPr>
-          <p:nvPr>
-            <p:ph type="ctrTitle"/>
-          </p:nvPr>
-        </p:nvSpPr>
-        <p:spPr/>
-        <p:txBody>
-          <a:bodyPr/>
-          <a:lstStyle/>
-          <a:p>
-            <a:endParaRPr lang="ru-RU"/>
-          </a:p>
-        </p:txBody>
-      </p:sp>
-      <p:sp>
-        <p:nvSpPr>
-          <p:cNvPr id="3" name="Подзаголовок 2">
-            <a:extLst>
-              <a:ext uri="{FF2B5EF4-FFF2-40B4-BE49-F238E27FC236}">
-                <a16:creationId xmlns:a16="http://schemas.microsoft.com/office/drawing/2014/main" id="{6181E049-553D-041C-9E9E-887AF0180972}"/>
-              </a:ext>
-            </a:extLst>
-          </p:cNvPr>
-          <p:cNvSpPr>
-            <a:spLocks noGrp="1"/>
-          </p:cNvSpPr>
-          <p:nvPr>
-            <p:ph type="subTitle" idx="1"/>
-          </p:nvPr>
-        </p:nvSpPr>
-        <p:spPr/>
-        <p:txBody>
-          <a:bodyPr/>
-          <a:lstStyle/>
-          <a:p>
-            <a:endParaRPr lang="ru-RU"/>
-          </a:p>
-        </p:txBody>
-      </p:sp>
-      <p:sp>
-        <p:nvSpPr>
-          <p:cNvPr id="5" name="TextBox 4">
-            <a:extLst>
-              <a:ext uri="{FF2B5EF4-FFF2-40B4-BE49-F238E27FC236}">
-                <a16:creationId xmlns:a16="http://schemas.microsoft.com/office/drawing/2014/main" id="{516A0A52-70CA-71D2-76AA-0587493DDF94}"/>
-              </a:ext>
-            </a:extLst>
-          </p:cNvPr>
-          <p:cNvSpPr txBox="1"/>
-          <p:nvPr/>
-        </p:nvSpPr>
-        <p:spPr>
-          <a:xfrm>
-            <a:off x="2039216" y="4557283"/>
-            <a:ext cx="6094268" cy="1754326"/>
-          </a:xfrm>
-          <a:prstGeom prst="rect">
-            <a:avLst/>
-          </a:prstGeom>
-          <a:noFill/>
-        </p:spPr>
-        <p:txBody>
-          <a:bodyPr wrap="square">
-            <a:spAutoFit/>
-          </a:bodyPr>
-          <a:lstStyle/>
-          <a:p>
-            <a:r>
-              <a:rPr lang="ru-RU" dirty="0"/>
-              <a:t>Актуальной задачей для аэропорта является мониторинг нагрузки на систему обработки багажа с</a:t>
-            </a:r>
-          </a:p>
-          <a:p>
-            <a:r>
-              <a:rPr lang="ru-RU" dirty="0"/>
-              <a:t>целью оперативного реагирования на внештатные ситуации, а также заблаговременное</a:t>
-            </a:r>
-          </a:p>
-          <a:p>
-            <a:r>
-              <a:rPr lang="ru-RU" dirty="0"/>
-              <a:t>планирование этой нагрузки с целью оптимизации ресурсов.</a:t>
-            </a:r>
-          </a:p>
-        </p:txBody>
-      </p:sp>
-    </p:spTree>
-    <p:extLst>
-      <p:ext uri="{BB962C8B-B14F-4D97-AF65-F5344CB8AC3E}">
-        <p14:creationId xmlns:p14="http://schemas.microsoft.com/office/powerpoint/2010/main" val="2756460062"/>
-      </p:ext>
-    </p:extLst>
-  </p:cSld>
-  <p:clrMapOvr>
-    <a:masterClrMapping/>
-  </p:clrMapOvr>
-</p:sld>
-</file>
-
-<file path=ppt/slides/slide5.xml><?xml version="1.0" encoding="utf-8"?>
+<file path=ppt/slides/slide6.xml><?xml version="1.0" encoding="utf-8"?>
 <p:sld xmlns:a="http://schemas.openxmlformats.org/drawingml/2006/main" xmlns:r="http://schemas.openxmlformats.org/officeDocument/2006/relationships" xmlns:p="http://schemas.openxmlformats.org/presentationml/2006/main">
   <p:cSld>
     <p:spTree>
@@ -4060,7 +4156,7 @@
 </p:sld>
 </file>
 
-<file path=ppt/slides/slide6.xml><?xml version="1.0" encoding="utf-8"?>
+<file path=ppt/slides/slide7.xml><?xml version="1.0" encoding="utf-8"?>
 <p:sld xmlns:a="http://schemas.openxmlformats.org/drawingml/2006/main" xmlns:r="http://schemas.openxmlformats.org/officeDocument/2006/relationships" xmlns:p="http://schemas.openxmlformats.org/presentationml/2006/main">
   <p:cSld>
     <p:spTree>
@@ -4082,15 +4178,15 @@
           <p:cNvPr id="2" name="Заголовок 1">
             <a:extLst>
               <a:ext uri="{FF2B5EF4-FFF2-40B4-BE49-F238E27FC236}">
-                <a16:creationId xmlns:a16="http://schemas.microsoft.com/office/drawing/2014/main" id="{1DD452ED-5835-B4EF-78DC-FF8B0335F652}"/>
-              </a:ext>
-            </a:extLst>
-          </p:cNvPr>
-          <p:cNvSpPr>
-            <a:spLocks noGrp="1"/>
-          </p:cNvSpPr>
-          <p:nvPr>
-            <p:ph type="ctrTitle"/>
+                <a16:creationId xmlns:a16="http://schemas.microsoft.com/office/drawing/2014/main" id="{55184A83-3BBA-99E1-3F8F-695FC2EFEDD9}"/>
+              </a:ext>
+            </a:extLst>
+          </p:cNvPr>
+          <p:cNvSpPr>
+            <a:spLocks noGrp="1"/>
+          </p:cNvSpPr>
+          <p:nvPr>
+            <p:ph type="title"/>
           </p:nvPr>
         </p:nvSpPr>
         <p:spPr/>
@@ -4098,34 +4194,24 @@
           <a:bodyPr/>
           <a:lstStyle/>
           <a:p>
-            <a:r>
-              <a:rPr lang="ru-RU" dirty="0" err="1">
-                <a:latin typeface="Times New Roman" panose="02020603050405020304" pitchFamily="18" charset="0"/>
-                <a:cs typeface="Times New Roman" panose="02020603050405020304" pitchFamily="18" charset="0"/>
-              </a:rPr>
-              <a:t>ххх</a:t>
-            </a:r>
-            <a:endParaRPr lang="ru-RU" dirty="0">
-              <a:latin typeface="Times New Roman" panose="02020603050405020304" pitchFamily="18" charset="0"/>
-              <a:cs typeface="Times New Roman" panose="02020603050405020304" pitchFamily="18" charset="0"/>
-            </a:endParaRPr>
-          </a:p>
-        </p:txBody>
-      </p:sp>
-      <p:sp>
-        <p:nvSpPr>
-          <p:cNvPr id="3" name="Подзаголовок 2">
-            <a:extLst>
-              <a:ext uri="{FF2B5EF4-FFF2-40B4-BE49-F238E27FC236}">
-                <a16:creationId xmlns:a16="http://schemas.microsoft.com/office/drawing/2014/main" id="{6181E049-553D-041C-9E9E-887AF0180972}"/>
-              </a:ext>
-            </a:extLst>
-          </p:cNvPr>
-          <p:cNvSpPr>
-            <a:spLocks noGrp="1"/>
-          </p:cNvSpPr>
-          <p:nvPr>
-            <p:ph type="subTitle" idx="1"/>
+            <a:endParaRPr lang="ru-RU"/>
+          </a:p>
+        </p:txBody>
+      </p:sp>
+      <p:sp>
+        <p:nvSpPr>
+          <p:cNvPr id="3" name="Объект 2">
+            <a:extLst>
+              <a:ext uri="{FF2B5EF4-FFF2-40B4-BE49-F238E27FC236}">
+                <a16:creationId xmlns:a16="http://schemas.microsoft.com/office/drawing/2014/main" id="{EEB08D7D-AC97-53CC-0C73-CD9A8B59EF75}"/>
+              </a:ext>
+            </a:extLst>
+          </p:cNvPr>
+          <p:cNvSpPr>
+            <a:spLocks noGrp="1"/>
+          </p:cNvSpPr>
+          <p:nvPr>
+            <p:ph idx="1"/>
           </p:nvPr>
         </p:nvSpPr>
         <p:spPr/>
@@ -4133,17 +4219,7 @@
           <a:bodyPr/>
           <a:lstStyle/>
           <a:p>
-            <a:r>
-              <a:rPr lang="ru-RU" dirty="0" err="1">
-                <a:latin typeface="Times New Roman" panose="02020603050405020304" pitchFamily="18" charset="0"/>
-                <a:cs typeface="Times New Roman" panose="02020603050405020304" pitchFamily="18" charset="0"/>
-              </a:rPr>
-              <a:t>ххххх</a:t>
-            </a:r>
-            <a:endParaRPr lang="ru-RU" dirty="0">
-              <a:latin typeface="Times New Roman" panose="02020603050405020304" pitchFamily="18" charset="0"/>
-              <a:cs typeface="Times New Roman" panose="02020603050405020304" pitchFamily="18" charset="0"/>
-            </a:endParaRPr>
+            <a:endParaRPr lang="ru-RU"/>
           </a:p>
         </p:txBody>
       </p:sp>
@@ -4152,7 +4228,7 @@
           <p:cNvPr id="5" name="Рисунок 4">
             <a:extLst>
               <a:ext uri="{FF2B5EF4-FFF2-40B4-BE49-F238E27FC236}">
-                <a16:creationId xmlns:a16="http://schemas.microsoft.com/office/drawing/2014/main" id="{1C1710A2-7D47-9FEC-00FB-2BFD806A39F4}"/>
+                <a16:creationId xmlns:a16="http://schemas.microsoft.com/office/drawing/2014/main" id="{98455551-4A68-1485-ED0E-70C54ABDA2FF}"/>
               </a:ext>
             </a:extLst>
           </p:cNvPr>
@@ -4169,20 +4245,100 @@
         </p:blipFill>
         <p:spPr>
           <a:xfrm>
-            <a:off x="87041" y="0"/>
-            <a:ext cx="12017918" cy="6858000"/>
+            <a:off x="0" y="0"/>
+            <a:ext cx="12192000" cy="6858000"/>
           </a:xfrm>
           <a:prstGeom prst="rect">
             <a:avLst/>
           </a:prstGeom>
         </p:spPr>
       </p:pic>
+    </p:spTree>
+    <p:extLst>
+      <p:ext uri="{BB962C8B-B14F-4D97-AF65-F5344CB8AC3E}">
+        <p14:creationId xmlns:p14="http://schemas.microsoft.com/office/powerpoint/2010/main" val="1029431687"/>
+      </p:ext>
+    </p:extLst>
+  </p:cSld>
+  <p:clrMapOvr>
+    <a:masterClrMapping/>
+  </p:clrMapOvr>
+</p:sld>
+</file>
+
+<file path=ppt/slides/slide8.xml><?xml version="1.0" encoding="utf-8"?>
+<p:sld xmlns:a="http://schemas.openxmlformats.org/drawingml/2006/main" xmlns:r="http://schemas.openxmlformats.org/officeDocument/2006/relationships" xmlns:p="http://schemas.openxmlformats.org/presentationml/2006/main">
+  <p:cSld>
+    <p:spTree>
+      <p:nvGrpSpPr>
+        <p:cNvPr id="1" name=""/>
+        <p:cNvGrpSpPr/>
+        <p:nvPr/>
+      </p:nvGrpSpPr>
+      <p:grpSpPr>
+        <a:xfrm>
+          <a:off x="0" y="0"/>
+          <a:ext cx="0" cy="0"/>
+          <a:chOff x="0" y="0"/>
+          <a:chExt cx="0" cy="0"/>
+        </a:xfrm>
+      </p:grpSpPr>
+      <p:sp>
+        <p:nvSpPr>
+          <p:cNvPr id="2" name="Заголовок 1">
+            <a:extLst>
+              <a:ext uri="{FF2B5EF4-FFF2-40B4-BE49-F238E27FC236}">
+                <a16:creationId xmlns:a16="http://schemas.microsoft.com/office/drawing/2014/main" id="{AAAF25C3-932C-3D4B-E677-56787F758F1D}"/>
+              </a:ext>
+            </a:extLst>
+          </p:cNvPr>
+          <p:cNvSpPr>
+            <a:spLocks noGrp="1"/>
+          </p:cNvSpPr>
+          <p:nvPr>
+            <p:ph type="title"/>
+          </p:nvPr>
+        </p:nvSpPr>
+        <p:spPr/>
+        <p:txBody>
+          <a:bodyPr/>
+          <a:lstStyle/>
+          <a:p>
+            <a:endParaRPr lang="ru-RU"/>
+          </a:p>
+        </p:txBody>
+      </p:sp>
+      <p:sp>
+        <p:nvSpPr>
+          <p:cNvPr id="3" name="Объект 2">
+            <a:extLst>
+              <a:ext uri="{FF2B5EF4-FFF2-40B4-BE49-F238E27FC236}">
+                <a16:creationId xmlns:a16="http://schemas.microsoft.com/office/drawing/2014/main" id="{B6A515C5-5F26-9486-B67C-01ACBCE5B838}"/>
+              </a:ext>
+            </a:extLst>
+          </p:cNvPr>
+          <p:cNvSpPr>
+            <a:spLocks noGrp="1"/>
+          </p:cNvSpPr>
+          <p:nvPr>
+            <p:ph idx="1"/>
+          </p:nvPr>
+        </p:nvSpPr>
+        <p:spPr/>
+        <p:txBody>
+          <a:bodyPr/>
+          <a:lstStyle/>
+          <a:p>
+            <a:endParaRPr lang="ru-RU"/>
+          </a:p>
+        </p:txBody>
+      </p:sp>
       <p:pic>
         <p:nvPicPr>
-          <p:cNvPr id="7" name="Рисунок 6">
-            <a:extLst>
-              <a:ext uri="{FF2B5EF4-FFF2-40B4-BE49-F238E27FC236}">
-                <a16:creationId xmlns:a16="http://schemas.microsoft.com/office/drawing/2014/main" id="{7AE13BC8-0AF9-9451-AABC-DFEEFE7D55CD}"/>
+          <p:cNvPr id="5" name="Рисунок 4">
+            <a:extLst>
+              <a:ext uri="{FF2B5EF4-FFF2-40B4-BE49-F238E27FC236}">
+                <a16:creationId xmlns:a16="http://schemas.microsoft.com/office/drawing/2014/main" id="{5E739FB8-F770-2797-C1E8-47C464C2CCAB}"/>
               </a:ext>
             </a:extLst>
           </p:cNvPr>
@@ -4192,32 +4348,1141 @@
           <p:nvPr/>
         </p:nvPicPr>
         <p:blipFill>
-          <a:blip r:embed="rId3"/>
+          <a:blip r:embed="rId2"/>
           <a:stretch>
             <a:fillRect/>
           </a:stretch>
         </p:blipFill>
         <p:spPr>
           <a:xfrm>
-            <a:off x="6466159" y="84138"/>
-            <a:ext cx="5638800" cy="1038225"/>
+            <a:off x="0" y="0"/>
+            <a:ext cx="12192000" cy="6858000"/>
           </a:xfrm>
           <a:prstGeom prst="rect">
             <a:avLst/>
           </a:prstGeom>
-          <a:solidFill>
-            <a:schemeClr val="accent4">
-              <a:lumMod val="50000"/>
-            </a:schemeClr>
-          </a:solidFill>
         </p:spPr>
       </p:pic>
     </p:spTree>
     <p:extLst>
       <p:ext uri="{BB962C8B-B14F-4D97-AF65-F5344CB8AC3E}">
-        <p14:creationId xmlns:p14="http://schemas.microsoft.com/office/powerpoint/2010/main" val="87768701"/>
+        <p14:creationId xmlns:p14="http://schemas.microsoft.com/office/powerpoint/2010/main" val="584850924"/>
       </p:ext>
     </p:extLst>
+  </p:cSld>
+  <p:clrMapOvr>
+    <a:masterClrMapping/>
+  </p:clrMapOvr>
+</p:sld>
+</file>
+
+<file path=ppt/slides/slide9.xml><?xml version="1.0" encoding="utf-8"?>
+<p:sld xmlns:a="http://schemas.openxmlformats.org/drawingml/2006/main" xmlns:r="http://schemas.openxmlformats.org/officeDocument/2006/relationships" xmlns:p="http://schemas.openxmlformats.org/presentationml/2006/main">
+  <p:cSld>
+    <p:spTree>
+      <p:nvGrpSpPr>
+        <p:cNvPr id="1" name=""/>
+        <p:cNvGrpSpPr/>
+        <p:nvPr/>
+      </p:nvGrpSpPr>
+      <p:grpSpPr>
+        <a:xfrm>
+          <a:off x="0" y="0"/>
+          <a:ext cx="0" cy="0"/>
+          <a:chOff x="0" y="0"/>
+          <a:chExt cx="0" cy="0"/>
+        </a:xfrm>
+      </p:grpSpPr>
+      <p:sp>
+        <p:nvSpPr>
+          <p:cNvPr id="21506" name="Дата 3">
+            <a:extLst>
+              <a:ext uri="{FF2B5EF4-FFF2-40B4-BE49-F238E27FC236}">
+                <a16:creationId xmlns:a16="http://schemas.microsoft.com/office/drawing/2014/main" id="{9646F389-3431-0269-6F73-0073D2AC25E8}"/>
+              </a:ext>
+            </a:extLst>
+          </p:cNvPr>
+          <p:cNvSpPr>
+            <a:spLocks noGrp="1"/>
+          </p:cNvSpPr>
+          <p:nvPr>
+            <p:ph type="dt" sz="quarter" idx="10"/>
+          </p:nvPr>
+        </p:nvSpPr>
+        <p:spPr>
+          <a:noFill/>
+          <a:ln/>
+          <a:extLst>
+            <a:ext uri="{909E8E84-426E-40DD-AFC4-6F175D3DCCD1}">
+              <a14:hiddenFill xmlns:a14="http://schemas.microsoft.com/office/drawing/2010/main">
+                <a:solidFill>
+                  <a:srgbClr val="FFFFFF"/>
+                </a:solidFill>
+              </a14:hiddenFill>
+            </a:ext>
+            <a:ext uri="{91240B29-F687-4F45-9708-019B960494DF}">
+              <a14:hiddenLine xmlns:a14="http://schemas.microsoft.com/office/drawing/2010/main" w="9525">
+                <a:solidFill>
+                  <a:srgbClr val="000000"/>
+                </a:solidFill>
+                <a:miter lim="800000"/>
+                <a:headEnd/>
+                <a:tailEnd/>
+              </a14:hiddenLine>
+            </a:ext>
+          </a:extLst>
+        </p:spPr>
+        <p:txBody>
+          <a:bodyPr/>
+          <a:lstStyle>
+            <a:lvl1pPr>
+              <a:spcBef>
+                <a:spcPct val="20000"/>
+              </a:spcBef>
+              <a:buClr>
+                <a:schemeClr val="folHlink"/>
+              </a:buClr>
+              <a:buSzPct val="60000"/>
+              <a:buFont typeface="Wingdings" panose="05000000000000000000" pitchFamily="2" charset="2"/>
+              <a:buChar char="n"/>
+              <a:defRPr sz="3200">
+                <a:solidFill>
+                  <a:schemeClr val="tx1"/>
+                </a:solidFill>
+                <a:latin typeface="Tahoma" panose="020B0604030504040204" pitchFamily="34" charset="0"/>
+              </a:defRPr>
+            </a:lvl1pPr>
+            <a:lvl2pPr marL="742950" indent="-285750">
+              <a:spcBef>
+                <a:spcPct val="20000"/>
+              </a:spcBef>
+              <a:buClr>
+                <a:schemeClr val="hlink"/>
+              </a:buClr>
+              <a:buSzPct val="55000"/>
+              <a:buFont typeface="Wingdings" panose="05000000000000000000" pitchFamily="2" charset="2"/>
+              <a:buChar char="n"/>
+              <a:defRPr sz="2800">
+                <a:solidFill>
+                  <a:schemeClr val="tx1"/>
+                </a:solidFill>
+                <a:latin typeface="Tahoma" panose="020B0604030504040204" pitchFamily="34" charset="0"/>
+              </a:defRPr>
+            </a:lvl2pPr>
+            <a:lvl3pPr marL="1143000" indent="-228600">
+              <a:spcBef>
+                <a:spcPct val="20000"/>
+              </a:spcBef>
+              <a:buClr>
+                <a:schemeClr val="folHlink"/>
+              </a:buClr>
+              <a:buSzPct val="50000"/>
+              <a:buFont typeface="Wingdings" panose="05000000000000000000" pitchFamily="2" charset="2"/>
+              <a:buChar char="n"/>
+              <a:defRPr sz="2400">
+                <a:solidFill>
+                  <a:schemeClr val="tx1"/>
+                </a:solidFill>
+                <a:latin typeface="Tahoma" panose="020B0604030504040204" pitchFamily="34" charset="0"/>
+              </a:defRPr>
+            </a:lvl3pPr>
+            <a:lvl4pPr marL="1600200" indent="-228600">
+              <a:spcBef>
+                <a:spcPct val="20000"/>
+              </a:spcBef>
+              <a:buClr>
+                <a:schemeClr val="accent2"/>
+              </a:buClr>
+              <a:buSzPct val="55000"/>
+              <a:buFont typeface="Wingdings" panose="05000000000000000000" pitchFamily="2" charset="2"/>
+              <a:buChar char="n"/>
+              <a:defRPr sz="2000">
+                <a:solidFill>
+                  <a:schemeClr val="tx1"/>
+                </a:solidFill>
+                <a:latin typeface="Tahoma" panose="020B0604030504040204" pitchFamily="34" charset="0"/>
+              </a:defRPr>
+            </a:lvl4pPr>
+            <a:lvl5pPr marL="2057400" indent="-228600">
+              <a:spcBef>
+                <a:spcPct val="20000"/>
+              </a:spcBef>
+              <a:buClr>
+                <a:schemeClr val="accent1"/>
+              </a:buClr>
+              <a:buSzPct val="50000"/>
+              <a:buFont typeface="Wingdings" panose="05000000000000000000" pitchFamily="2" charset="2"/>
+              <a:buChar char="n"/>
+              <a:defRPr sz="2000">
+                <a:solidFill>
+                  <a:schemeClr val="tx1"/>
+                </a:solidFill>
+                <a:latin typeface="Tahoma" panose="020B0604030504040204" pitchFamily="34" charset="0"/>
+              </a:defRPr>
+            </a:lvl5pPr>
+            <a:lvl6pPr marL="2514600" indent="-228600" eaLnBrk="0" fontAlgn="base" hangingPunct="0">
+              <a:spcBef>
+                <a:spcPct val="20000"/>
+              </a:spcBef>
+              <a:spcAft>
+                <a:spcPct val="0"/>
+              </a:spcAft>
+              <a:buClr>
+                <a:schemeClr val="accent1"/>
+              </a:buClr>
+              <a:buSzPct val="50000"/>
+              <a:buFont typeface="Wingdings" panose="05000000000000000000" pitchFamily="2" charset="2"/>
+              <a:buChar char="n"/>
+              <a:defRPr sz="2000">
+                <a:solidFill>
+                  <a:schemeClr val="tx1"/>
+                </a:solidFill>
+                <a:latin typeface="Tahoma" panose="020B0604030504040204" pitchFamily="34" charset="0"/>
+              </a:defRPr>
+            </a:lvl6pPr>
+            <a:lvl7pPr marL="2971800" indent="-228600" eaLnBrk="0" fontAlgn="base" hangingPunct="0">
+              <a:spcBef>
+                <a:spcPct val="20000"/>
+              </a:spcBef>
+              <a:spcAft>
+                <a:spcPct val="0"/>
+              </a:spcAft>
+              <a:buClr>
+                <a:schemeClr val="accent1"/>
+              </a:buClr>
+              <a:buSzPct val="50000"/>
+              <a:buFont typeface="Wingdings" panose="05000000000000000000" pitchFamily="2" charset="2"/>
+              <a:buChar char="n"/>
+              <a:defRPr sz="2000">
+                <a:solidFill>
+                  <a:schemeClr val="tx1"/>
+                </a:solidFill>
+                <a:latin typeface="Tahoma" panose="020B0604030504040204" pitchFamily="34" charset="0"/>
+              </a:defRPr>
+            </a:lvl7pPr>
+            <a:lvl8pPr marL="3429000" indent="-228600" eaLnBrk="0" fontAlgn="base" hangingPunct="0">
+              <a:spcBef>
+                <a:spcPct val="20000"/>
+              </a:spcBef>
+              <a:spcAft>
+                <a:spcPct val="0"/>
+              </a:spcAft>
+              <a:buClr>
+                <a:schemeClr val="accent1"/>
+              </a:buClr>
+              <a:buSzPct val="50000"/>
+              <a:buFont typeface="Wingdings" panose="05000000000000000000" pitchFamily="2" charset="2"/>
+              <a:buChar char="n"/>
+              <a:defRPr sz="2000">
+                <a:solidFill>
+                  <a:schemeClr val="tx1"/>
+                </a:solidFill>
+                <a:latin typeface="Tahoma" panose="020B0604030504040204" pitchFamily="34" charset="0"/>
+              </a:defRPr>
+            </a:lvl8pPr>
+            <a:lvl9pPr marL="3886200" indent="-228600" eaLnBrk="0" fontAlgn="base" hangingPunct="0">
+              <a:spcBef>
+                <a:spcPct val="20000"/>
+              </a:spcBef>
+              <a:spcAft>
+                <a:spcPct val="0"/>
+              </a:spcAft>
+              <a:buClr>
+                <a:schemeClr val="accent1"/>
+              </a:buClr>
+              <a:buSzPct val="50000"/>
+              <a:buFont typeface="Wingdings" panose="05000000000000000000" pitchFamily="2" charset="2"/>
+              <a:buChar char="n"/>
+              <a:defRPr sz="2000">
+                <a:solidFill>
+                  <a:schemeClr val="tx1"/>
+                </a:solidFill>
+                <a:latin typeface="Tahoma" panose="020B0604030504040204" pitchFamily="34" charset="0"/>
+              </a:defRPr>
+            </a:lvl9pPr>
+          </a:lstStyle>
+          <a:p>
+            <a:pPr>
+              <a:spcBef>
+                <a:spcPct val="0"/>
+              </a:spcBef>
+              <a:buClrTx/>
+              <a:buSzTx/>
+              <a:buFontTx/>
+              <a:buNone/>
+            </a:pPr>
+            <a:fld id="{E6FC92A7-35A2-4485-9F1A-3B0909A78ACE}" type="datetime1">
+              <a:rPr lang="ru-RU" altLang="ru-RU" sz="1400"/>
+              <a:pPr>
+                <a:spcBef>
+                  <a:spcPct val="0"/>
+                </a:spcBef>
+                <a:buClrTx/>
+                <a:buSzTx/>
+                <a:buFontTx/>
+                <a:buNone/>
+              </a:pPr>
+              <a:t>01.10.2023</a:t>
+            </a:fld>
+            <a:endParaRPr lang="ru-RU" altLang="ru-RU" sz="1400"/>
+          </a:p>
+        </p:txBody>
+      </p:sp>
+      <p:sp>
+        <p:nvSpPr>
+          <p:cNvPr id="21507" name="Номер слайда 4">
+            <a:extLst>
+              <a:ext uri="{FF2B5EF4-FFF2-40B4-BE49-F238E27FC236}">
+                <a16:creationId xmlns:a16="http://schemas.microsoft.com/office/drawing/2014/main" id="{F2ED186F-A696-388A-D425-F66683D66DDD}"/>
+              </a:ext>
+            </a:extLst>
+          </p:cNvPr>
+          <p:cNvSpPr>
+            <a:spLocks noGrp="1"/>
+          </p:cNvSpPr>
+          <p:nvPr>
+            <p:ph type="sldNum" sz="quarter" idx="12"/>
+          </p:nvPr>
+        </p:nvSpPr>
+        <p:spPr>
+          <a:noFill/>
+          <a:ln/>
+          <a:extLst>
+            <a:ext uri="{909E8E84-426E-40DD-AFC4-6F175D3DCCD1}">
+              <a14:hiddenFill xmlns:a14="http://schemas.microsoft.com/office/drawing/2010/main">
+                <a:solidFill>
+                  <a:srgbClr val="FFFFFF"/>
+                </a:solidFill>
+              </a14:hiddenFill>
+            </a:ext>
+            <a:ext uri="{91240B29-F687-4F45-9708-019B960494DF}">
+              <a14:hiddenLine xmlns:a14="http://schemas.microsoft.com/office/drawing/2010/main" w="9525">
+                <a:solidFill>
+                  <a:srgbClr val="000000"/>
+                </a:solidFill>
+                <a:miter lim="800000"/>
+                <a:headEnd/>
+                <a:tailEnd/>
+              </a14:hiddenLine>
+            </a:ext>
+          </a:extLst>
+        </p:spPr>
+        <p:txBody>
+          <a:bodyPr/>
+          <a:lstStyle>
+            <a:lvl1pPr>
+              <a:spcBef>
+                <a:spcPct val="20000"/>
+              </a:spcBef>
+              <a:buClr>
+                <a:schemeClr val="folHlink"/>
+              </a:buClr>
+              <a:buSzPct val="60000"/>
+              <a:buFont typeface="Wingdings" panose="05000000000000000000" pitchFamily="2" charset="2"/>
+              <a:buChar char="n"/>
+              <a:defRPr sz="3200">
+                <a:solidFill>
+                  <a:schemeClr val="tx1"/>
+                </a:solidFill>
+                <a:latin typeface="Tahoma" panose="020B0604030504040204" pitchFamily="34" charset="0"/>
+              </a:defRPr>
+            </a:lvl1pPr>
+            <a:lvl2pPr marL="742950" indent="-285750">
+              <a:spcBef>
+                <a:spcPct val="20000"/>
+              </a:spcBef>
+              <a:buClr>
+                <a:schemeClr val="hlink"/>
+              </a:buClr>
+              <a:buSzPct val="55000"/>
+              <a:buFont typeface="Wingdings" panose="05000000000000000000" pitchFamily="2" charset="2"/>
+              <a:buChar char="n"/>
+              <a:defRPr sz="2800">
+                <a:solidFill>
+                  <a:schemeClr val="tx1"/>
+                </a:solidFill>
+                <a:latin typeface="Tahoma" panose="020B0604030504040204" pitchFamily="34" charset="0"/>
+              </a:defRPr>
+            </a:lvl2pPr>
+            <a:lvl3pPr marL="1143000" indent="-228600">
+              <a:spcBef>
+                <a:spcPct val="20000"/>
+              </a:spcBef>
+              <a:buClr>
+                <a:schemeClr val="folHlink"/>
+              </a:buClr>
+              <a:buSzPct val="50000"/>
+              <a:buFont typeface="Wingdings" panose="05000000000000000000" pitchFamily="2" charset="2"/>
+              <a:buChar char="n"/>
+              <a:defRPr sz="2400">
+                <a:solidFill>
+                  <a:schemeClr val="tx1"/>
+                </a:solidFill>
+                <a:latin typeface="Tahoma" panose="020B0604030504040204" pitchFamily="34" charset="0"/>
+              </a:defRPr>
+            </a:lvl3pPr>
+            <a:lvl4pPr marL="1600200" indent="-228600">
+              <a:spcBef>
+                <a:spcPct val="20000"/>
+              </a:spcBef>
+              <a:buClr>
+                <a:schemeClr val="accent2"/>
+              </a:buClr>
+              <a:buSzPct val="55000"/>
+              <a:buFont typeface="Wingdings" panose="05000000000000000000" pitchFamily="2" charset="2"/>
+              <a:buChar char="n"/>
+              <a:defRPr sz="2000">
+                <a:solidFill>
+                  <a:schemeClr val="tx1"/>
+                </a:solidFill>
+                <a:latin typeface="Tahoma" panose="020B0604030504040204" pitchFamily="34" charset="0"/>
+              </a:defRPr>
+            </a:lvl4pPr>
+            <a:lvl5pPr marL="2057400" indent="-228600">
+              <a:spcBef>
+                <a:spcPct val="20000"/>
+              </a:spcBef>
+              <a:buClr>
+                <a:schemeClr val="accent1"/>
+              </a:buClr>
+              <a:buSzPct val="50000"/>
+              <a:buFont typeface="Wingdings" panose="05000000000000000000" pitchFamily="2" charset="2"/>
+              <a:buChar char="n"/>
+              <a:defRPr sz="2000">
+                <a:solidFill>
+                  <a:schemeClr val="tx1"/>
+                </a:solidFill>
+                <a:latin typeface="Tahoma" panose="020B0604030504040204" pitchFamily="34" charset="0"/>
+              </a:defRPr>
+            </a:lvl5pPr>
+            <a:lvl6pPr marL="2514600" indent="-228600" eaLnBrk="0" fontAlgn="base" hangingPunct="0">
+              <a:spcBef>
+                <a:spcPct val="20000"/>
+              </a:spcBef>
+              <a:spcAft>
+                <a:spcPct val="0"/>
+              </a:spcAft>
+              <a:buClr>
+                <a:schemeClr val="accent1"/>
+              </a:buClr>
+              <a:buSzPct val="50000"/>
+              <a:buFont typeface="Wingdings" panose="05000000000000000000" pitchFamily="2" charset="2"/>
+              <a:buChar char="n"/>
+              <a:defRPr sz="2000">
+                <a:solidFill>
+                  <a:schemeClr val="tx1"/>
+                </a:solidFill>
+                <a:latin typeface="Tahoma" panose="020B0604030504040204" pitchFamily="34" charset="0"/>
+              </a:defRPr>
+            </a:lvl6pPr>
+            <a:lvl7pPr marL="2971800" indent="-228600" eaLnBrk="0" fontAlgn="base" hangingPunct="0">
+              <a:spcBef>
+                <a:spcPct val="20000"/>
+              </a:spcBef>
+              <a:spcAft>
+                <a:spcPct val="0"/>
+              </a:spcAft>
+              <a:buClr>
+                <a:schemeClr val="accent1"/>
+              </a:buClr>
+              <a:buSzPct val="50000"/>
+              <a:buFont typeface="Wingdings" panose="05000000000000000000" pitchFamily="2" charset="2"/>
+              <a:buChar char="n"/>
+              <a:defRPr sz="2000">
+                <a:solidFill>
+                  <a:schemeClr val="tx1"/>
+                </a:solidFill>
+                <a:latin typeface="Tahoma" panose="020B0604030504040204" pitchFamily="34" charset="0"/>
+              </a:defRPr>
+            </a:lvl7pPr>
+            <a:lvl8pPr marL="3429000" indent="-228600" eaLnBrk="0" fontAlgn="base" hangingPunct="0">
+              <a:spcBef>
+                <a:spcPct val="20000"/>
+              </a:spcBef>
+              <a:spcAft>
+                <a:spcPct val="0"/>
+              </a:spcAft>
+              <a:buClr>
+                <a:schemeClr val="accent1"/>
+              </a:buClr>
+              <a:buSzPct val="50000"/>
+              <a:buFont typeface="Wingdings" panose="05000000000000000000" pitchFamily="2" charset="2"/>
+              <a:buChar char="n"/>
+              <a:defRPr sz="2000">
+                <a:solidFill>
+                  <a:schemeClr val="tx1"/>
+                </a:solidFill>
+                <a:latin typeface="Tahoma" panose="020B0604030504040204" pitchFamily="34" charset="0"/>
+              </a:defRPr>
+            </a:lvl8pPr>
+            <a:lvl9pPr marL="3886200" indent="-228600" eaLnBrk="0" fontAlgn="base" hangingPunct="0">
+              <a:spcBef>
+                <a:spcPct val="20000"/>
+              </a:spcBef>
+              <a:spcAft>
+                <a:spcPct val="0"/>
+              </a:spcAft>
+              <a:buClr>
+                <a:schemeClr val="accent1"/>
+              </a:buClr>
+              <a:buSzPct val="50000"/>
+              <a:buFont typeface="Wingdings" panose="05000000000000000000" pitchFamily="2" charset="2"/>
+              <a:buChar char="n"/>
+              <a:defRPr sz="2000">
+                <a:solidFill>
+                  <a:schemeClr val="tx1"/>
+                </a:solidFill>
+                <a:latin typeface="Tahoma" panose="020B0604030504040204" pitchFamily="34" charset="0"/>
+              </a:defRPr>
+            </a:lvl9pPr>
+          </a:lstStyle>
+          <a:p>
+            <a:pPr>
+              <a:spcBef>
+                <a:spcPct val="0"/>
+              </a:spcBef>
+              <a:buClrTx/>
+              <a:buSzTx/>
+              <a:buFontTx/>
+              <a:buNone/>
+            </a:pPr>
+            <a:fld id="{ACA4AD6F-C495-4E09-8F2B-073E80CC2B0A}" type="slidenum">
+              <a:rPr lang="ru-RU" altLang="ru-RU" sz="1400"/>
+              <a:pPr>
+                <a:spcBef>
+                  <a:spcPct val="0"/>
+                </a:spcBef>
+                <a:buClrTx/>
+                <a:buSzTx/>
+                <a:buFontTx/>
+                <a:buNone/>
+              </a:pPr>
+              <a:t>9</a:t>
+            </a:fld>
+            <a:endParaRPr lang="ru-RU" altLang="ru-RU" sz="1400"/>
+          </a:p>
+        </p:txBody>
+      </p:sp>
+      <p:pic>
+        <p:nvPicPr>
+          <p:cNvPr id="21508" name="Рисунок 5">
+            <a:extLst>
+              <a:ext uri="{FF2B5EF4-FFF2-40B4-BE49-F238E27FC236}">
+                <a16:creationId xmlns:a16="http://schemas.microsoft.com/office/drawing/2014/main" id="{B51ACB9B-3B61-943D-C8CA-127456CA6A80}"/>
+              </a:ext>
+            </a:extLst>
+          </p:cNvPr>
+          <p:cNvPicPr>
+            <a:picLocks noChangeAspect="1"/>
+          </p:cNvPicPr>
+          <p:nvPr/>
+        </p:nvPicPr>
+        <p:blipFill>
+          <a:blip r:embed="rId2">
+            <a:extLst>
+              <a:ext uri="{28A0092B-C50C-407E-A947-70E740481C1C}">
+                <a14:useLocalDpi xmlns:a14="http://schemas.microsoft.com/office/drawing/2010/main" val="0"/>
+              </a:ext>
+            </a:extLst>
+          </a:blip>
+          <a:srcRect/>
+          <a:stretch>
+            <a:fillRect/>
+          </a:stretch>
+        </p:blipFill>
+        <p:spPr bwMode="auto">
+          <a:xfrm>
+            <a:off x="1524000" y="12700"/>
+            <a:ext cx="9067800" cy="6688138"/>
+          </a:xfrm>
+          <a:prstGeom prst="rect">
+            <a:avLst/>
+          </a:prstGeom>
+          <a:noFill/>
+          <a:ln>
+            <a:noFill/>
+          </a:ln>
+          <a:extLst>
+            <a:ext uri="{909E8E84-426E-40DD-AFC4-6F175D3DCCD1}">
+              <a14:hiddenFill xmlns:a14="http://schemas.microsoft.com/office/drawing/2010/main">
+                <a:solidFill>
+                  <a:srgbClr val="FFFFFF"/>
+                </a:solidFill>
+              </a14:hiddenFill>
+            </a:ext>
+            <a:ext uri="{91240B29-F687-4F45-9708-019B960494DF}">
+              <a14:hiddenLine xmlns:a14="http://schemas.microsoft.com/office/drawing/2010/main" w="9525">
+                <a:solidFill>
+                  <a:srgbClr val="000000"/>
+                </a:solidFill>
+                <a:miter lim="800000"/>
+                <a:headEnd/>
+                <a:tailEnd/>
+              </a14:hiddenLine>
+            </a:ext>
+          </a:extLst>
+        </p:spPr>
+      </p:pic>
+      <p:sp>
+        <p:nvSpPr>
+          <p:cNvPr id="21509" name="Прямоугольник 6">
+            <a:extLst>
+              <a:ext uri="{FF2B5EF4-FFF2-40B4-BE49-F238E27FC236}">
+                <a16:creationId xmlns:a16="http://schemas.microsoft.com/office/drawing/2014/main" id="{1B61ED73-DA32-F9B7-6275-BD789003C487}"/>
+              </a:ext>
+            </a:extLst>
+          </p:cNvPr>
+          <p:cNvSpPr>
+            <a:spLocks noChangeArrowheads="1"/>
+          </p:cNvSpPr>
+          <p:nvPr/>
+        </p:nvSpPr>
+        <p:spPr bwMode="auto">
+          <a:xfrm>
+            <a:off x="3581400" y="2079496"/>
+            <a:ext cx="4876800" cy="2554545"/>
+          </a:xfrm>
+          <a:prstGeom prst="rect">
+            <a:avLst/>
+          </a:prstGeom>
+          <a:noFill/>
+          <a:ln>
+            <a:noFill/>
+          </a:ln>
+          <a:extLst>
+            <a:ext uri="{909E8E84-426E-40DD-AFC4-6F175D3DCCD1}">
+              <a14:hiddenFill xmlns:a14="http://schemas.microsoft.com/office/drawing/2010/main">
+                <a:solidFill>
+                  <a:srgbClr val="FFFFFF"/>
+                </a:solidFill>
+              </a14:hiddenFill>
+            </a:ext>
+            <a:ext uri="{91240B29-F687-4F45-9708-019B960494DF}">
+              <a14:hiddenLine xmlns:a14="http://schemas.microsoft.com/office/drawing/2010/main" w="9525">
+                <a:solidFill>
+                  <a:srgbClr val="000000"/>
+                </a:solidFill>
+                <a:miter lim="800000"/>
+                <a:headEnd/>
+                <a:tailEnd/>
+              </a14:hiddenLine>
+            </a:ext>
+          </a:extLst>
+        </p:spPr>
+        <p:txBody>
+          <a:bodyPr>
+            <a:spAutoFit/>
+          </a:bodyPr>
+          <a:lstStyle>
+            <a:lvl1pPr>
+              <a:spcBef>
+                <a:spcPct val="20000"/>
+              </a:spcBef>
+              <a:buClr>
+                <a:schemeClr val="folHlink"/>
+              </a:buClr>
+              <a:buSzPct val="60000"/>
+              <a:buFont typeface="Wingdings" panose="05000000000000000000" pitchFamily="2" charset="2"/>
+              <a:buChar char="n"/>
+              <a:defRPr sz="3200">
+                <a:solidFill>
+                  <a:schemeClr val="tx1"/>
+                </a:solidFill>
+                <a:latin typeface="Tahoma" panose="020B0604030504040204" pitchFamily="34" charset="0"/>
+              </a:defRPr>
+            </a:lvl1pPr>
+            <a:lvl2pPr marL="742950" indent="-285750">
+              <a:spcBef>
+                <a:spcPct val="20000"/>
+              </a:spcBef>
+              <a:buClr>
+                <a:schemeClr val="hlink"/>
+              </a:buClr>
+              <a:buSzPct val="55000"/>
+              <a:buFont typeface="Wingdings" panose="05000000000000000000" pitchFamily="2" charset="2"/>
+              <a:buChar char="n"/>
+              <a:defRPr sz="2800">
+                <a:solidFill>
+                  <a:schemeClr val="tx1"/>
+                </a:solidFill>
+                <a:latin typeface="Tahoma" panose="020B0604030504040204" pitchFamily="34" charset="0"/>
+              </a:defRPr>
+            </a:lvl2pPr>
+            <a:lvl3pPr marL="1143000" indent="-228600">
+              <a:spcBef>
+                <a:spcPct val="20000"/>
+              </a:spcBef>
+              <a:buClr>
+                <a:schemeClr val="folHlink"/>
+              </a:buClr>
+              <a:buSzPct val="50000"/>
+              <a:buFont typeface="Wingdings" panose="05000000000000000000" pitchFamily="2" charset="2"/>
+              <a:buChar char="n"/>
+              <a:defRPr sz="2400">
+                <a:solidFill>
+                  <a:schemeClr val="tx1"/>
+                </a:solidFill>
+                <a:latin typeface="Tahoma" panose="020B0604030504040204" pitchFamily="34" charset="0"/>
+              </a:defRPr>
+            </a:lvl3pPr>
+            <a:lvl4pPr marL="1600200" indent="-228600">
+              <a:spcBef>
+                <a:spcPct val="20000"/>
+              </a:spcBef>
+              <a:buClr>
+                <a:schemeClr val="accent2"/>
+              </a:buClr>
+              <a:buSzPct val="55000"/>
+              <a:buFont typeface="Wingdings" panose="05000000000000000000" pitchFamily="2" charset="2"/>
+              <a:buChar char="n"/>
+              <a:defRPr sz="2000">
+                <a:solidFill>
+                  <a:schemeClr val="tx1"/>
+                </a:solidFill>
+                <a:latin typeface="Tahoma" panose="020B0604030504040204" pitchFamily="34" charset="0"/>
+              </a:defRPr>
+            </a:lvl4pPr>
+            <a:lvl5pPr marL="2057400" indent="-228600">
+              <a:spcBef>
+                <a:spcPct val="20000"/>
+              </a:spcBef>
+              <a:buClr>
+                <a:schemeClr val="accent1"/>
+              </a:buClr>
+              <a:buSzPct val="50000"/>
+              <a:buFont typeface="Wingdings" panose="05000000000000000000" pitchFamily="2" charset="2"/>
+              <a:buChar char="n"/>
+              <a:defRPr sz="2000">
+                <a:solidFill>
+                  <a:schemeClr val="tx1"/>
+                </a:solidFill>
+                <a:latin typeface="Tahoma" panose="020B0604030504040204" pitchFamily="34" charset="0"/>
+              </a:defRPr>
+            </a:lvl5pPr>
+            <a:lvl6pPr marL="2514600" indent="-228600" eaLnBrk="0" fontAlgn="base" hangingPunct="0">
+              <a:spcBef>
+                <a:spcPct val="20000"/>
+              </a:spcBef>
+              <a:spcAft>
+                <a:spcPct val="0"/>
+              </a:spcAft>
+              <a:buClr>
+                <a:schemeClr val="accent1"/>
+              </a:buClr>
+              <a:buSzPct val="50000"/>
+              <a:buFont typeface="Wingdings" panose="05000000000000000000" pitchFamily="2" charset="2"/>
+              <a:buChar char="n"/>
+              <a:defRPr sz="2000">
+                <a:solidFill>
+                  <a:schemeClr val="tx1"/>
+                </a:solidFill>
+                <a:latin typeface="Tahoma" panose="020B0604030504040204" pitchFamily="34" charset="0"/>
+              </a:defRPr>
+            </a:lvl6pPr>
+            <a:lvl7pPr marL="2971800" indent="-228600" eaLnBrk="0" fontAlgn="base" hangingPunct="0">
+              <a:spcBef>
+                <a:spcPct val="20000"/>
+              </a:spcBef>
+              <a:spcAft>
+                <a:spcPct val="0"/>
+              </a:spcAft>
+              <a:buClr>
+                <a:schemeClr val="accent1"/>
+              </a:buClr>
+              <a:buSzPct val="50000"/>
+              <a:buFont typeface="Wingdings" panose="05000000000000000000" pitchFamily="2" charset="2"/>
+              <a:buChar char="n"/>
+              <a:defRPr sz="2000">
+                <a:solidFill>
+                  <a:schemeClr val="tx1"/>
+                </a:solidFill>
+                <a:latin typeface="Tahoma" panose="020B0604030504040204" pitchFamily="34" charset="0"/>
+              </a:defRPr>
+            </a:lvl7pPr>
+            <a:lvl8pPr marL="3429000" indent="-228600" eaLnBrk="0" fontAlgn="base" hangingPunct="0">
+              <a:spcBef>
+                <a:spcPct val="20000"/>
+              </a:spcBef>
+              <a:spcAft>
+                <a:spcPct val="0"/>
+              </a:spcAft>
+              <a:buClr>
+                <a:schemeClr val="accent1"/>
+              </a:buClr>
+              <a:buSzPct val="50000"/>
+              <a:buFont typeface="Wingdings" panose="05000000000000000000" pitchFamily="2" charset="2"/>
+              <a:buChar char="n"/>
+              <a:defRPr sz="2000">
+                <a:solidFill>
+                  <a:schemeClr val="tx1"/>
+                </a:solidFill>
+                <a:latin typeface="Tahoma" panose="020B0604030504040204" pitchFamily="34" charset="0"/>
+              </a:defRPr>
+            </a:lvl8pPr>
+            <a:lvl9pPr marL="3886200" indent="-228600" eaLnBrk="0" fontAlgn="base" hangingPunct="0">
+              <a:spcBef>
+                <a:spcPct val="20000"/>
+              </a:spcBef>
+              <a:spcAft>
+                <a:spcPct val="0"/>
+              </a:spcAft>
+              <a:buClr>
+                <a:schemeClr val="accent1"/>
+              </a:buClr>
+              <a:buSzPct val="50000"/>
+              <a:buFont typeface="Wingdings" panose="05000000000000000000" pitchFamily="2" charset="2"/>
+              <a:buChar char="n"/>
+              <a:defRPr sz="2000">
+                <a:solidFill>
+                  <a:schemeClr val="tx1"/>
+                </a:solidFill>
+                <a:latin typeface="Tahoma" panose="020B0604030504040204" pitchFamily="34" charset="0"/>
+              </a:defRPr>
+            </a:lvl9pPr>
+          </a:lstStyle>
+          <a:p>
+            <a:pPr eaLnBrk="1" hangingPunct="1">
+              <a:spcBef>
+                <a:spcPct val="0"/>
+              </a:spcBef>
+              <a:buClrTx/>
+              <a:buSzTx/>
+              <a:buFontTx/>
+              <a:buNone/>
+            </a:pPr>
+            <a:r>
+              <a:rPr lang="ru-RU" altLang="ru-RU" sz="4000" dirty="0">
+                <a:latin typeface="Times New Roman" panose="02020603050405020304" pitchFamily="18" charset="0"/>
+                <a:ea typeface="Calibri" panose="020F0502020204030204" pitchFamily="34" charset="0"/>
+                <a:cs typeface="Times New Roman" panose="02020603050405020304" pitchFamily="18" charset="0"/>
+              </a:rPr>
+              <a:t>Михаил Ларин </a:t>
+            </a:r>
+          </a:p>
+          <a:p>
+            <a:pPr eaLnBrk="1" hangingPunct="1">
+              <a:spcBef>
+                <a:spcPct val="0"/>
+              </a:spcBef>
+              <a:buClrTx/>
+              <a:buSzTx/>
+              <a:buFontTx/>
+              <a:buNone/>
+            </a:pPr>
+            <a:r>
+              <a:rPr lang="ru-RU" altLang="ru-RU" sz="4000" dirty="0">
+                <a:latin typeface="Times New Roman" panose="02020603050405020304" pitchFamily="18" charset="0"/>
+                <a:ea typeface="Calibri" panose="020F0502020204030204" pitchFamily="34" charset="0"/>
+                <a:cs typeface="Times New Roman" panose="02020603050405020304" pitchFamily="18" charset="0"/>
+              </a:rPr>
+              <a:t>Владислав </a:t>
+            </a:r>
+            <a:r>
+              <a:rPr lang="ru-RU" altLang="ru-RU" sz="4000" dirty="0" err="1">
+                <a:latin typeface="Times New Roman" panose="02020603050405020304" pitchFamily="18" charset="0"/>
+                <a:ea typeface="Calibri" panose="020F0502020204030204" pitchFamily="34" charset="0"/>
+                <a:cs typeface="Times New Roman" panose="02020603050405020304" pitchFamily="18" charset="0"/>
+              </a:rPr>
+              <a:t>Трунаев</a:t>
+            </a:r>
+            <a:endParaRPr lang="ru-RU" altLang="ru-RU" sz="4000" dirty="0">
+              <a:latin typeface="Times New Roman" panose="02020603050405020304" pitchFamily="18" charset="0"/>
+              <a:ea typeface="Calibri" panose="020F0502020204030204" pitchFamily="34" charset="0"/>
+              <a:cs typeface="Times New Roman" panose="02020603050405020304" pitchFamily="18" charset="0"/>
+            </a:endParaRPr>
+          </a:p>
+          <a:p>
+            <a:pPr eaLnBrk="1" hangingPunct="1">
+              <a:spcBef>
+                <a:spcPct val="0"/>
+              </a:spcBef>
+              <a:buClrTx/>
+              <a:buSzTx/>
+              <a:buFontTx/>
+              <a:buNone/>
+            </a:pPr>
+            <a:r>
+              <a:rPr lang="ru-RU" altLang="ru-RU" sz="4000" dirty="0">
+                <a:latin typeface="Times New Roman" panose="02020603050405020304" pitchFamily="18" charset="0"/>
+                <a:ea typeface="Calibri" panose="020F0502020204030204" pitchFamily="34" charset="0"/>
+                <a:cs typeface="Times New Roman" panose="02020603050405020304" pitchFamily="18" charset="0"/>
+              </a:rPr>
+              <a:t>Ольга </a:t>
+            </a:r>
+            <a:r>
+              <a:rPr lang="ru-RU" altLang="ru-RU" sz="4000" dirty="0" err="1">
+                <a:latin typeface="Times New Roman" panose="02020603050405020304" pitchFamily="18" charset="0"/>
+                <a:ea typeface="Calibri" panose="020F0502020204030204" pitchFamily="34" charset="0"/>
+                <a:cs typeface="Times New Roman" panose="02020603050405020304" pitchFamily="18" charset="0"/>
+              </a:rPr>
+              <a:t>Трунаева</a:t>
+            </a:r>
+            <a:endParaRPr lang="ru-RU" altLang="ru-RU" sz="4000" dirty="0">
+              <a:latin typeface="Times New Roman" panose="02020603050405020304" pitchFamily="18" charset="0"/>
+              <a:ea typeface="Calibri" panose="020F0502020204030204" pitchFamily="34" charset="0"/>
+              <a:cs typeface="Times New Roman" panose="02020603050405020304" pitchFamily="18" charset="0"/>
+            </a:endParaRPr>
+          </a:p>
+          <a:p>
+            <a:pPr eaLnBrk="1" hangingPunct="1">
+              <a:spcBef>
+                <a:spcPct val="0"/>
+              </a:spcBef>
+              <a:buClrTx/>
+              <a:buSzTx/>
+              <a:buFontTx/>
+              <a:buNone/>
+            </a:pPr>
+            <a:r>
+              <a:rPr lang="ru-RU" altLang="ru-RU" sz="4000" dirty="0">
+                <a:latin typeface="Times New Roman" panose="02020603050405020304" pitchFamily="18" charset="0"/>
+                <a:ea typeface="Calibri" panose="020F0502020204030204" pitchFamily="34" charset="0"/>
+                <a:cs typeface="Times New Roman" panose="02020603050405020304" pitchFamily="18" charset="0"/>
+              </a:rPr>
+              <a:t>Иван Ларин</a:t>
+            </a:r>
+          </a:p>
+        </p:txBody>
+      </p:sp>
+      <p:sp>
+        <p:nvSpPr>
+          <p:cNvPr id="21510" name="Прямоугольник 7">
+            <a:extLst>
+              <a:ext uri="{FF2B5EF4-FFF2-40B4-BE49-F238E27FC236}">
+                <a16:creationId xmlns:a16="http://schemas.microsoft.com/office/drawing/2014/main" id="{6B586549-2EF6-21EC-B3D7-B2C4A0CB4E81}"/>
+              </a:ext>
+            </a:extLst>
+          </p:cNvPr>
+          <p:cNvSpPr>
+            <a:spLocks noChangeArrowheads="1"/>
+          </p:cNvSpPr>
+          <p:nvPr/>
+        </p:nvSpPr>
+        <p:spPr bwMode="auto">
+          <a:xfrm>
+            <a:off x="1752600" y="169863"/>
+            <a:ext cx="4953000" cy="1014412"/>
+          </a:xfrm>
+          <a:prstGeom prst="rect">
+            <a:avLst/>
+          </a:prstGeom>
+          <a:noFill/>
+          <a:ln>
+            <a:noFill/>
+          </a:ln>
+          <a:extLst>
+            <a:ext uri="{909E8E84-426E-40DD-AFC4-6F175D3DCCD1}">
+              <a14:hiddenFill xmlns:a14="http://schemas.microsoft.com/office/drawing/2010/main">
+                <a:solidFill>
+                  <a:srgbClr val="FFFFFF"/>
+                </a:solidFill>
+              </a14:hiddenFill>
+            </a:ext>
+            <a:ext uri="{91240B29-F687-4F45-9708-019B960494DF}">
+              <a14:hiddenLine xmlns:a14="http://schemas.microsoft.com/office/drawing/2010/main" w="9525">
+                <a:solidFill>
+                  <a:srgbClr val="000000"/>
+                </a:solidFill>
+                <a:miter lim="800000"/>
+                <a:headEnd/>
+                <a:tailEnd/>
+              </a14:hiddenLine>
+            </a:ext>
+          </a:extLst>
+        </p:spPr>
+        <p:txBody>
+          <a:bodyPr>
+            <a:spAutoFit/>
+          </a:bodyPr>
+          <a:lstStyle>
+            <a:lvl1pPr>
+              <a:spcBef>
+                <a:spcPct val="20000"/>
+              </a:spcBef>
+              <a:buClr>
+                <a:schemeClr val="folHlink"/>
+              </a:buClr>
+              <a:buSzPct val="60000"/>
+              <a:buFont typeface="Wingdings" panose="05000000000000000000" pitchFamily="2" charset="2"/>
+              <a:buChar char="n"/>
+              <a:defRPr sz="3200">
+                <a:solidFill>
+                  <a:schemeClr val="tx1"/>
+                </a:solidFill>
+                <a:latin typeface="Tahoma" panose="020B0604030504040204" pitchFamily="34" charset="0"/>
+              </a:defRPr>
+            </a:lvl1pPr>
+            <a:lvl2pPr marL="742950" indent="-285750">
+              <a:spcBef>
+                <a:spcPct val="20000"/>
+              </a:spcBef>
+              <a:buClr>
+                <a:schemeClr val="hlink"/>
+              </a:buClr>
+              <a:buSzPct val="55000"/>
+              <a:buFont typeface="Wingdings" panose="05000000000000000000" pitchFamily="2" charset="2"/>
+              <a:buChar char="n"/>
+              <a:defRPr sz="2800">
+                <a:solidFill>
+                  <a:schemeClr val="tx1"/>
+                </a:solidFill>
+                <a:latin typeface="Tahoma" panose="020B0604030504040204" pitchFamily="34" charset="0"/>
+              </a:defRPr>
+            </a:lvl2pPr>
+            <a:lvl3pPr marL="1143000" indent="-228600">
+              <a:spcBef>
+                <a:spcPct val="20000"/>
+              </a:spcBef>
+              <a:buClr>
+                <a:schemeClr val="folHlink"/>
+              </a:buClr>
+              <a:buSzPct val="50000"/>
+              <a:buFont typeface="Wingdings" panose="05000000000000000000" pitchFamily="2" charset="2"/>
+              <a:buChar char="n"/>
+              <a:defRPr sz="2400">
+                <a:solidFill>
+                  <a:schemeClr val="tx1"/>
+                </a:solidFill>
+                <a:latin typeface="Tahoma" panose="020B0604030504040204" pitchFamily="34" charset="0"/>
+              </a:defRPr>
+            </a:lvl3pPr>
+            <a:lvl4pPr marL="1600200" indent="-228600">
+              <a:spcBef>
+                <a:spcPct val="20000"/>
+              </a:spcBef>
+              <a:buClr>
+                <a:schemeClr val="accent2"/>
+              </a:buClr>
+              <a:buSzPct val="55000"/>
+              <a:buFont typeface="Wingdings" panose="05000000000000000000" pitchFamily="2" charset="2"/>
+              <a:buChar char="n"/>
+              <a:defRPr sz="2000">
+                <a:solidFill>
+                  <a:schemeClr val="tx1"/>
+                </a:solidFill>
+                <a:latin typeface="Tahoma" panose="020B0604030504040204" pitchFamily="34" charset="0"/>
+              </a:defRPr>
+            </a:lvl4pPr>
+            <a:lvl5pPr marL="2057400" indent="-228600">
+              <a:spcBef>
+                <a:spcPct val="20000"/>
+              </a:spcBef>
+              <a:buClr>
+                <a:schemeClr val="accent1"/>
+              </a:buClr>
+              <a:buSzPct val="50000"/>
+              <a:buFont typeface="Wingdings" panose="05000000000000000000" pitchFamily="2" charset="2"/>
+              <a:buChar char="n"/>
+              <a:defRPr sz="2000">
+                <a:solidFill>
+                  <a:schemeClr val="tx1"/>
+                </a:solidFill>
+                <a:latin typeface="Tahoma" panose="020B0604030504040204" pitchFamily="34" charset="0"/>
+              </a:defRPr>
+            </a:lvl5pPr>
+            <a:lvl6pPr marL="2514600" indent="-228600" eaLnBrk="0" fontAlgn="base" hangingPunct="0">
+              <a:spcBef>
+                <a:spcPct val="20000"/>
+              </a:spcBef>
+              <a:spcAft>
+                <a:spcPct val="0"/>
+              </a:spcAft>
+              <a:buClr>
+                <a:schemeClr val="accent1"/>
+              </a:buClr>
+              <a:buSzPct val="50000"/>
+              <a:buFont typeface="Wingdings" panose="05000000000000000000" pitchFamily="2" charset="2"/>
+              <a:buChar char="n"/>
+              <a:defRPr sz="2000">
+                <a:solidFill>
+                  <a:schemeClr val="tx1"/>
+                </a:solidFill>
+                <a:latin typeface="Tahoma" panose="020B0604030504040204" pitchFamily="34" charset="0"/>
+              </a:defRPr>
+            </a:lvl6pPr>
+            <a:lvl7pPr marL="2971800" indent="-228600" eaLnBrk="0" fontAlgn="base" hangingPunct="0">
+              <a:spcBef>
+                <a:spcPct val="20000"/>
+              </a:spcBef>
+              <a:spcAft>
+                <a:spcPct val="0"/>
+              </a:spcAft>
+              <a:buClr>
+                <a:schemeClr val="accent1"/>
+              </a:buClr>
+              <a:buSzPct val="50000"/>
+              <a:buFont typeface="Wingdings" panose="05000000000000000000" pitchFamily="2" charset="2"/>
+              <a:buChar char="n"/>
+              <a:defRPr sz="2000">
+                <a:solidFill>
+                  <a:schemeClr val="tx1"/>
+                </a:solidFill>
+                <a:latin typeface="Tahoma" panose="020B0604030504040204" pitchFamily="34" charset="0"/>
+              </a:defRPr>
+            </a:lvl7pPr>
+            <a:lvl8pPr marL="3429000" indent="-228600" eaLnBrk="0" fontAlgn="base" hangingPunct="0">
+              <a:spcBef>
+                <a:spcPct val="20000"/>
+              </a:spcBef>
+              <a:spcAft>
+                <a:spcPct val="0"/>
+              </a:spcAft>
+              <a:buClr>
+                <a:schemeClr val="accent1"/>
+              </a:buClr>
+              <a:buSzPct val="50000"/>
+              <a:buFont typeface="Wingdings" panose="05000000000000000000" pitchFamily="2" charset="2"/>
+              <a:buChar char="n"/>
+              <a:defRPr sz="2000">
+                <a:solidFill>
+                  <a:schemeClr val="tx1"/>
+                </a:solidFill>
+                <a:latin typeface="Tahoma" panose="020B0604030504040204" pitchFamily="34" charset="0"/>
+              </a:defRPr>
+            </a:lvl8pPr>
+            <a:lvl9pPr marL="3886200" indent="-228600" eaLnBrk="0" fontAlgn="base" hangingPunct="0">
+              <a:spcBef>
+                <a:spcPct val="20000"/>
+              </a:spcBef>
+              <a:spcAft>
+                <a:spcPct val="0"/>
+              </a:spcAft>
+              <a:buClr>
+                <a:schemeClr val="accent1"/>
+              </a:buClr>
+              <a:buSzPct val="50000"/>
+              <a:buFont typeface="Wingdings" panose="05000000000000000000" pitchFamily="2" charset="2"/>
+              <a:buChar char="n"/>
+              <a:defRPr sz="2000">
+                <a:solidFill>
+                  <a:schemeClr val="tx1"/>
+                </a:solidFill>
+                <a:latin typeface="Tahoma" panose="020B0604030504040204" pitchFamily="34" charset="0"/>
+              </a:defRPr>
+            </a:lvl9pPr>
+          </a:lstStyle>
+          <a:p>
+            <a:pPr eaLnBrk="1" hangingPunct="1">
+              <a:spcBef>
+                <a:spcPct val="0"/>
+              </a:spcBef>
+              <a:buClrTx/>
+              <a:buSzTx/>
+              <a:buFontTx/>
+              <a:buNone/>
+            </a:pPr>
+            <a:r>
+              <a:rPr lang="ru-RU" altLang="ru-RU" sz="6000">
+                <a:latin typeface="Times New Roman" panose="02020603050405020304" pitchFamily="18" charset="0"/>
+                <a:ea typeface="Calibri" panose="020F0502020204030204" pitchFamily="34" charset="0"/>
+                <a:cs typeface="Times New Roman" panose="02020603050405020304" pitchFamily="18" charset="0"/>
+              </a:rPr>
+              <a:t>Команда</a:t>
+            </a:r>
+          </a:p>
+        </p:txBody>
+      </p:sp>
+    </p:spTree>
   </p:cSld>
   <p:clrMapOvr>
     <a:masterClrMapping/>
